--- a/session-1/MCTE 3104 - ses01.pptx
+++ b/session-1/MCTE 3104 - ses01.pptx
@@ -304,7 +304,7 @@
           <a:p>
             <a:fld id="{591FF2C3-40C6-47F4-BC8D-A335AEA90D2F}" type="datetimeFigureOut">
               <a:rPr lang="en-MY" smtClean="0"/>
-              <a:t>13/9/2018</a:t>
+              <a:t>14/9/2018</a:t>
             </a:fld>
             <a:endParaRPr lang="en-MY"/>
           </a:p>
@@ -504,7 +504,7 @@
           <a:p>
             <a:fld id="{591FF2C3-40C6-47F4-BC8D-A335AEA90D2F}" type="datetimeFigureOut">
               <a:rPr lang="en-MY" smtClean="0"/>
-              <a:t>13/9/2018</a:t>
+              <a:t>14/9/2018</a:t>
             </a:fld>
             <a:endParaRPr lang="en-MY"/>
           </a:p>
@@ -714,7 +714,7 @@
           <a:p>
             <a:fld id="{591FF2C3-40C6-47F4-BC8D-A335AEA90D2F}" type="datetimeFigureOut">
               <a:rPr lang="en-MY" smtClean="0"/>
-              <a:t>13/9/2018</a:t>
+              <a:t>14/9/2018</a:t>
             </a:fld>
             <a:endParaRPr lang="en-MY"/>
           </a:p>
@@ -914,7 +914,7 @@
           <a:p>
             <a:fld id="{591FF2C3-40C6-47F4-BC8D-A335AEA90D2F}" type="datetimeFigureOut">
               <a:rPr lang="en-MY" smtClean="0"/>
-              <a:t>13/9/2018</a:t>
+              <a:t>14/9/2018</a:t>
             </a:fld>
             <a:endParaRPr lang="en-MY"/>
           </a:p>
@@ -1190,7 +1190,7 @@
           <a:p>
             <a:fld id="{591FF2C3-40C6-47F4-BC8D-A335AEA90D2F}" type="datetimeFigureOut">
               <a:rPr lang="en-MY" smtClean="0"/>
-              <a:t>13/9/2018</a:t>
+              <a:t>14/9/2018</a:t>
             </a:fld>
             <a:endParaRPr lang="en-MY"/>
           </a:p>
@@ -1458,7 +1458,7 @@
           <a:p>
             <a:fld id="{591FF2C3-40C6-47F4-BC8D-A335AEA90D2F}" type="datetimeFigureOut">
               <a:rPr lang="en-MY" smtClean="0"/>
-              <a:t>13/9/2018</a:t>
+              <a:t>14/9/2018</a:t>
             </a:fld>
             <a:endParaRPr lang="en-MY"/>
           </a:p>
@@ -1873,7 +1873,7 @@
           <a:p>
             <a:fld id="{591FF2C3-40C6-47F4-BC8D-A335AEA90D2F}" type="datetimeFigureOut">
               <a:rPr lang="en-MY" smtClean="0"/>
-              <a:t>13/9/2018</a:t>
+              <a:t>14/9/2018</a:t>
             </a:fld>
             <a:endParaRPr lang="en-MY"/>
           </a:p>
@@ -2015,7 +2015,7 @@
           <a:p>
             <a:fld id="{591FF2C3-40C6-47F4-BC8D-A335AEA90D2F}" type="datetimeFigureOut">
               <a:rPr lang="en-MY" smtClean="0"/>
-              <a:t>13/9/2018</a:t>
+              <a:t>14/9/2018</a:t>
             </a:fld>
             <a:endParaRPr lang="en-MY"/>
           </a:p>
@@ -2128,7 +2128,7 @@
           <a:p>
             <a:fld id="{591FF2C3-40C6-47F4-BC8D-A335AEA90D2F}" type="datetimeFigureOut">
               <a:rPr lang="en-MY" smtClean="0"/>
-              <a:t>13/9/2018</a:t>
+              <a:t>14/9/2018</a:t>
             </a:fld>
             <a:endParaRPr lang="en-MY"/>
           </a:p>
@@ -2441,7 +2441,7 @@
           <a:p>
             <a:fld id="{591FF2C3-40C6-47F4-BC8D-A335AEA90D2F}" type="datetimeFigureOut">
               <a:rPr lang="en-MY" smtClean="0"/>
-              <a:t>13/9/2018</a:t>
+              <a:t>14/9/2018</a:t>
             </a:fld>
             <a:endParaRPr lang="en-MY"/>
           </a:p>
@@ -2730,7 +2730,7 @@
           <a:p>
             <a:fld id="{591FF2C3-40C6-47F4-BC8D-A335AEA90D2F}" type="datetimeFigureOut">
               <a:rPr lang="en-MY" smtClean="0"/>
-              <a:t>13/9/2018</a:t>
+              <a:t>14/9/2018</a:t>
             </a:fld>
             <a:endParaRPr lang="en-MY"/>
           </a:p>
@@ -2973,7 +2973,7 @@
           <a:p>
             <a:fld id="{591FF2C3-40C6-47F4-BC8D-A335AEA90D2F}" type="datetimeFigureOut">
               <a:rPr lang="en-MY" smtClean="0"/>
-              <a:t>13/9/2018</a:t>
+              <a:t>14/9/2018</a:t>
             </a:fld>
             <a:endParaRPr lang="en-MY"/>
           </a:p>
@@ -3507,7 +3507,7 @@
         <p:spPr>
           <a:xfrm>
             <a:off x="847725" y="1038689"/>
-            <a:ext cx="1443024" cy="369332"/>
+            <a:ext cx="1476686" cy="369332"/>
           </a:xfrm>
           <a:prstGeom prst="rect">
             <a:avLst/>
@@ -3522,7 +3522,7 @@
           <a:p>
             <a:r>
               <a:rPr lang="en-MY" dirty="0"/>
-              <a:t>Class activity:</a:t>
+              <a:t>Lab activity 2:</a:t>
             </a:r>
           </a:p>
         </p:txBody>
@@ -4080,7 +4080,7 @@
         <p:spPr>
           <a:xfrm>
             <a:off x="847725" y="919372"/>
-            <a:ext cx="2187587" cy="369332"/>
+            <a:ext cx="3265446" cy="369332"/>
           </a:xfrm>
           <a:prstGeom prst="rect">
             <a:avLst/>
@@ -4095,7 +4095,7 @@
           <a:p>
             <a:r>
               <a:rPr lang="en-MY" dirty="0"/>
-              <a:t>Reading Analog input</a:t>
+              <a:t>Example 3: Reading Analog input</a:t>
             </a:r>
           </a:p>
         </p:txBody>
@@ -4814,7 +4814,7 @@
         <p:spPr>
           <a:xfrm>
             <a:off x="847725" y="446200"/>
-            <a:ext cx="2650149" cy="369332"/>
+            <a:ext cx="3728008" cy="369332"/>
           </a:xfrm>
           <a:prstGeom prst="rect">
             <a:avLst/>
@@ -4827,6 +4827,10 @@
           </a:bodyPr>
           <a:lstStyle/>
           <a:p>
+            <a:r>
+              <a:rPr lang="en-MY" dirty="0"/>
+              <a:t>Example 4: </a:t>
+            </a:r>
             <a:r>
               <a:rPr lang="en-US" dirty="0"/>
               <a:t>Controlling LED brightness</a:t>
@@ -4938,7 +4942,7 @@
         <p:spPr>
           <a:xfrm>
             <a:off x="847725" y="1038689"/>
-            <a:ext cx="1443024" cy="369332"/>
+            <a:ext cx="1476686" cy="369332"/>
           </a:xfrm>
           <a:prstGeom prst="rect">
             <a:avLst/>
@@ -4953,7 +4957,7 @@
           <a:p>
             <a:r>
               <a:rPr lang="en-MY" dirty="0"/>
-              <a:t>Class activity:</a:t>
+              <a:t>Lab activity 3:</a:t>
             </a:r>
           </a:p>
         </p:txBody>
@@ -5400,7 +5404,7 @@
         <p:spPr>
           <a:xfrm>
             <a:off x="847725" y="446200"/>
-            <a:ext cx="3826945" cy="369332"/>
+            <a:ext cx="4904804" cy="369332"/>
           </a:xfrm>
           <a:prstGeom prst="rect">
             <a:avLst/>
@@ -5415,7 +5419,7 @@
           <a:p>
             <a:r>
               <a:rPr lang="en-MY" dirty="0"/>
-              <a:t>Controlling servo using Arduino Library</a:t>
+              <a:t>Example 5: Controlling servo using Arduino Library</a:t>
             </a:r>
           </a:p>
         </p:txBody>
@@ -5541,7 +5545,7 @@
         <p:spPr>
           <a:xfrm>
             <a:off x="847725" y="1038689"/>
-            <a:ext cx="1443024" cy="369332"/>
+            <a:ext cx="1476686" cy="369332"/>
           </a:xfrm>
           <a:prstGeom prst="rect">
             <a:avLst/>
@@ -5556,7 +5560,7 @@
           <a:p>
             <a:r>
               <a:rPr lang="en-MY" dirty="0"/>
-              <a:t>Class activity:</a:t>
+              <a:t>Lab activity 4:</a:t>
             </a:r>
           </a:p>
         </p:txBody>
@@ -6632,7 +6636,7 @@
         <p:spPr>
           <a:xfrm>
             <a:off x="847725" y="1038689"/>
-            <a:ext cx="2198102" cy="369332"/>
+            <a:ext cx="3275961" cy="369332"/>
           </a:xfrm>
           <a:prstGeom prst="rect">
             <a:avLst/>
@@ -6647,7 +6651,7 @@
           <a:p>
             <a:r>
               <a:rPr lang="en-MY" dirty="0"/>
-              <a:t>Writing digital output</a:t>
+              <a:t>Example 1: Writing digital output</a:t>
             </a:r>
           </a:p>
         </p:txBody>
@@ -6667,7 +6671,7 @@
         <p:spPr>
           <a:xfrm>
             <a:off x="847725" y="446200"/>
-            <a:ext cx="4961551" cy="369332"/>
+            <a:ext cx="4111960" cy="369332"/>
           </a:xfrm>
           <a:prstGeom prst="rect">
             <a:avLst/>
@@ -6682,7 +6686,7 @@
           <a:p>
             <a:r>
               <a:rPr lang="en-MY" dirty="0"/>
-              <a:t>Demo 1: Simple GPIO control using Arduino Library</a:t>
+              <a:t>Simple GPIO control using Arduino Library</a:t>
             </a:r>
           </a:p>
         </p:txBody>
@@ -6799,7 +6803,7 @@
         <p:spPr>
           <a:xfrm>
             <a:off x="847725" y="1038689"/>
-            <a:ext cx="1443024" cy="369332"/>
+            <a:ext cx="1476686" cy="369332"/>
           </a:xfrm>
           <a:prstGeom prst="rect">
             <a:avLst/>
@@ -6814,7 +6818,7 @@
           <a:p>
             <a:r>
               <a:rPr lang="en-MY" dirty="0"/>
-              <a:t>Class activity:</a:t>
+              <a:t>Lab activity 1:</a:t>
             </a:r>
           </a:p>
         </p:txBody>
@@ -6943,7 +6947,7 @@
         <p:spPr>
           <a:xfrm>
             <a:off x="847725" y="919372"/>
-            <a:ext cx="2187458" cy="369332"/>
+            <a:ext cx="3190489" cy="369332"/>
           </a:xfrm>
           <a:prstGeom prst="rect">
             <a:avLst/>
@@ -6958,7 +6962,7 @@
           <a:p>
             <a:r>
               <a:rPr lang="en-MY" dirty="0"/>
-              <a:t>Reading digital input</a:t>
+              <a:t>Example 2: Reading digital input</a:t>
             </a:r>
           </a:p>
         </p:txBody>
